--- a/docs/course/presentation/pres.pptx
+++ b/docs/course/presentation/pres.pptx
@@ -13148,7 +13148,7 @@
         </p:blipFill>
         <p:spPr>
           <a:xfrm>
-            <a:off x="3048000" y="1812425"/>
+            <a:off x="3048000" y="1906425"/>
             <a:ext cx="6096000" cy="4572000"/>
           </a:xfrm>
           <a:prstGeom prst="rect">
@@ -13246,7 +13246,7 @@
         </p:blipFill>
         <p:spPr>
           <a:xfrm>
-            <a:off x="3048000" y="1690825"/>
+            <a:off x="3048000" y="1926950"/>
             <a:ext cx="6096000" cy="4572000"/>
           </a:xfrm>
           <a:prstGeom prst="rect">
@@ -14135,7 +14135,7 @@
             <a:tbl>
               <a:tblPr>
                 <a:noFill/>
-                <a:tableStyleId>{889E13A3-881C-41FA-A2A0-FB4577BC16B7}</a:tableStyleId>
+                <a:tableStyleId>{6AD01941-68D3-426E-BE14-3110A74840C7}</a:tableStyleId>
               </a:tblPr>
               <a:tblGrid>
                 <a:gridCol w="3429000"/>
@@ -14503,7 +14503,7 @@
             <a:tbl>
               <a:tblPr>
                 <a:noFill/>
-                <a:tableStyleId>{889E13A3-881C-41FA-A2A0-FB4577BC16B7}</a:tableStyleId>
+                <a:tableStyleId>{6AD01941-68D3-426E-BE14-3110A74840C7}</a:tableStyleId>
               </a:tblPr>
               <a:tblGrid>
                 <a:gridCol w="2571750"/>
@@ -15169,7 +15169,7 @@
             <a:tbl>
               <a:tblPr>
                 <a:noFill/>
-                <a:tableStyleId>{889E13A3-881C-41FA-A2A0-FB4577BC16B7}</a:tableStyleId>
+                <a:tableStyleId>{6AD01941-68D3-426E-BE14-3110A74840C7}</a:tableStyleId>
               </a:tblPr>
               <a:tblGrid>
                 <a:gridCol w="2571750"/>
@@ -15642,7 +15642,7 @@
             <a:tbl>
               <a:tblPr>
                 <a:noFill/>
-                <a:tableStyleId>{889E13A3-881C-41FA-A2A0-FB4577BC16B7}</a:tableStyleId>
+                <a:tableStyleId>{6AD01941-68D3-426E-BE14-3110A74840C7}</a:tableStyleId>
               </a:tblPr>
               <a:tblGrid>
                 <a:gridCol w="3429000"/>
@@ -16156,7 +16156,7 @@
             <a:tbl>
               <a:tblPr>
                 <a:noFill/>
-                <a:tableStyleId>{889E13A3-881C-41FA-A2A0-FB4577BC16B7}</a:tableStyleId>
+                <a:tableStyleId>{6AD01941-68D3-426E-BE14-3110A74840C7}</a:tableStyleId>
               </a:tblPr>
               <a:tblGrid>
                 <a:gridCol w="2571750"/>

--- a/docs/course/presentation/pres.pptx
+++ b/docs/course/presentation/pres.pptx
@@ -13495,15 +13495,11 @@
             </a:pPr>
             <a:r>
               <a:rPr lang="ru-RU" sz="1800"/>
-              <a:t>Цель работы, а именно разработка программного обеспечения для генерации и визуализаци</a:t>
+              <a:t>Цель работы, а именно </a:t>
             </a:r>
             <a:r>
               <a:rPr lang="ru-RU" sz="1800"/>
-              <a:t>и </a:t>
-            </a:r>
-            <a:r>
-              <a:rPr lang="ru-RU" sz="1800"/>
-              <a:t>трехмерного ландшафта также была достигнута.</a:t>
+              <a:t>разработка  и создание программного обеспечения для генерации и визуализации трехмерного ландшафта.</a:t>
             </a:r>
             <a:endParaRPr sz="1800">
               <a:solidFill>
@@ -13645,7 +13641,7 @@
             </a:pPr>
             <a:r>
               <a:rPr lang="ru-RU" sz="7215"/>
-              <a:t>Цель работы – разработка программного обеспечения для генерации и визуализации трехмерного ландшафта.</a:t>
+              <a:t>Цель работы – разработка  и создание программного обеспечения для генерации и визуализации трехмерного ландшафта.</a:t>
             </a:r>
             <a:endParaRPr sz="7215"/>
           </a:p>
@@ -14135,7 +14131,7 @@
             <a:tbl>
               <a:tblPr>
                 <a:noFill/>
-                <a:tableStyleId>{6AD01941-68D3-426E-BE14-3110A74840C7}</a:tableStyleId>
+                <a:tableStyleId>{40B15800-4FF2-4F79-8FFE-7CF8584A1D77}</a:tableStyleId>
               </a:tblPr>
               <a:tblGrid>
                 <a:gridCol w="3429000"/>
@@ -14503,7 +14499,7 @@
             <a:tbl>
               <a:tblPr>
                 <a:noFill/>
-                <a:tableStyleId>{6AD01941-68D3-426E-BE14-3110A74840C7}</a:tableStyleId>
+                <a:tableStyleId>{40B15800-4FF2-4F79-8FFE-7CF8584A1D77}</a:tableStyleId>
               </a:tblPr>
               <a:tblGrid>
                 <a:gridCol w="2571750"/>
@@ -15169,7 +15165,7 @@
             <a:tbl>
               <a:tblPr>
                 <a:noFill/>
-                <a:tableStyleId>{6AD01941-68D3-426E-BE14-3110A74840C7}</a:tableStyleId>
+                <a:tableStyleId>{40B15800-4FF2-4F79-8FFE-7CF8584A1D77}</a:tableStyleId>
               </a:tblPr>
               <a:tblGrid>
                 <a:gridCol w="2571750"/>
@@ -15642,7 +15638,7 @@
             <a:tbl>
               <a:tblPr>
                 <a:noFill/>
-                <a:tableStyleId>{6AD01941-68D3-426E-BE14-3110A74840C7}</a:tableStyleId>
+                <a:tableStyleId>{40B15800-4FF2-4F79-8FFE-7CF8584A1D77}</a:tableStyleId>
               </a:tblPr>
               <a:tblGrid>
                 <a:gridCol w="3429000"/>
@@ -16156,7 +16152,7 @@
             <a:tbl>
               <a:tblPr>
                 <a:noFill/>
-                <a:tableStyleId>{6AD01941-68D3-426E-BE14-3110A74840C7}</a:tableStyleId>
+                <a:tableStyleId>{40B15800-4FF2-4F79-8FFE-7CF8584A1D77}</a:tableStyleId>
               </a:tblPr>
               <a:tblGrid>
                 <a:gridCol w="2571750"/>

--- a/docs/course/presentation/pres.pptx
+++ b/docs/course/presentation/pres.pptx
@@ -22,7 +22,6 @@
     <p:sldId id="267" r:id="rId17"/>
     <p:sldId id="268" r:id="rId18"/>
     <p:sldId id="269" r:id="rId19"/>
-    <p:sldId id="270" r:id="rId20"/>
   </p:sldIdLst>
   <p:sldSz cy="6858000" cx="12192000"/>
   <p:notesSz cx="6858000" cy="9144000"/>
@@ -901,106 +900,7 @@
       </p:grpSpPr>
       <p:sp>
         <p:nvSpPr>
-          <p:cNvPr id="157" name="Google Shape;157;p9:notes"/>
-          <p:cNvSpPr txBox="1"/>
-          <p:nvPr>
-            <p:ph idx="1" type="body"/>
-          </p:nvPr>
-        </p:nvSpPr>
-        <p:spPr>
-          <a:xfrm>
-            <a:off x="685800" y="4343400"/>
-            <a:ext cx="5486400" cy="4114800"/>
-          </a:xfrm>
-          <a:prstGeom prst="rect">
-            <a:avLst/>
-          </a:prstGeom>
-        </p:spPr>
-        <p:txBody>
-          <a:bodyPr anchorCtr="0" anchor="t" bIns="91425" lIns="91425" spcFirstLastPara="1" rIns="91425" wrap="square" tIns="91425">
-            <a:noAutofit/>
-          </a:bodyPr>
-          <a:lstStyle/>
-          <a:p>
-            <a:pPr indent="0" lvl="0" marL="0" rtl="0" algn="l">
-              <a:spcBef>
-                <a:spcPts val="0"/>
-              </a:spcBef>
-              <a:spcAft>
-                <a:spcPts val="0"/>
-              </a:spcAft>
-              <a:buNone/>
-            </a:pPr>
-            <a:r>
-              <a:t/>
-            </a:r>
-            <a:endParaRPr/>
-          </a:p>
-        </p:txBody>
-      </p:sp>
-      <p:sp>
-        <p:nvSpPr>
-          <p:cNvPr id="158" name="Google Shape;158;p9:notes"/>
-          <p:cNvSpPr/>
-          <p:nvPr>
-            <p:ph idx="2" type="sldImg"/>
-          </p:nvPr>
-        </p:nvSpPr>
-        <p:spPr>
-          <a:xfrm>
-            <a:off x="1143225" y="685800"/>
-            <a:ext cx="4572225" cy="3429000"/>
-          </a:xfrm>
-          <a:custGeom>
-            <a:rect b="b" l="l" r="r" t="t"/>
-            <a:pathLst>
-              <a:path extrusionOk="0" h="120000" w="120000">
-                <a:moveTo>
-                  <a:pt x="0" y="0"/>
-                </a:moveTo>
-                <a:lnTo>
-                  <a:pt x="120000" y="0"/>
-                </a:lnTo>
-                <a:lnTo>
-                  <a:pt x="120000" y="120000"/>
-                </a:lnTo>
-                <a:lnTo>
-                  <a:pt x="0" y="120000"/>
-                </a:lnTo>
-                <a:close/>
-              </a:path>
-            </a:pathLst>
-          </a:custGeom>
-        </p:spPr>
-      </p:sp>
-    </p:spTree>
-  </p:cSld>
-  <p:clrMapOvr>
-    <a:masterClrMapping/>
-  </p:clrMapOvr>
-</p:notes>
-</file>
-
-<file path=ppt/notesSlides/notesSlide12.xml><?xml version="1.0" encoding="utf-8"?>
-<p:notes xmlns:a="http://schemas.openxmlformats.org/drawingml/2006/main" xmlns:r="http://schemas.openxmlformats.org/officeDocument/2006/relationships" xmlns:mc="http://schemas.openxmlformats.org/markup-compatibility/2006" xmlns:mv="urn:schemas-microsoft-com:mac:vml" xmlns:p="http://schemas.openxmlformats.org/presentationml/2006/main" xmlns:c="http://schemas.openxmlformats.org/drawingml/2006/chart" xmlns:dgm="http://schemas.openxmlformats.org/drawingml/2006/diagram" xmlns:o="urn:schemas-microsoft-com:office:office" xmlns:v="urn:schemas-microsoft-com:vml" xmlns:pvml="urn:schemas-microsoft-com:office:powerpoint" xmlns:com="http://schemas.openxmlformats.org/drawingml/2006/compatibility" xmlns:p14="http://schemas.microsoft.com/office/powerpoint/2010/main" xmlns:p15="http://schemas.microsoft.com/office/powerpoint/2012/main" xmlns:ahyp="http://schemas.microsoft.com/office/drawing/2018/hyperlinkcolor" showMasterPhAnim="0" showMasterSp="0">
-  <p:cSld>
-    <p:spTree>
-      <p:nvGrpSpPr>
-        <p:cNvPr id="163" name="Shape 163"/>
-        <p:cNvGrpSpPr/>
-        <p:nvPr/>
-      </p:nvGrpSpPr>
-      <p:grpSpPr>
-        <a:xfrm>
-          <a:off x="0" y="0"/>
-          <a:ext cx="0" cy="0"/>
-          <a:chOff x="0" y="0"/>
-          <a:chExt cx="0" cy="0"/>
-        </a:xfrm>
-      </p:grpSpPr>
-      <p:sp>
-        <p:nvSpPr>
-          <p:cNvPr id="164" name="Google Shape;164;g2a93e319c4f_0_49:notes"/>
+          <p:cNvPr id="157" name="Google Shape;157;g2a93e319c4f_0_49:notes"/>
           <p:cNvSpPr/>
           <p:nvPr>
             <p:ph idx="2" type="sldImg"/>
@@ -1035,7 +935,7 @@
       </p:sp>
       <p:sp>
         <p:nvSpPr>
-          <p:cNvPr id="165" name="Google Shape;165;g2a93e319c4f_0_49:notes"/>
+          <p:cNvPr id="158" name="Google Shape;158;g2a93e319c4f_0_49:notes"/>
           <p:cNvSpPr txBox="1"/>
           <p:nvPr>
             <p:ph idx="1" type="body"/>
@@ -1080,12 +980,12 @@
 </p:notes>
 </file>
 
-<file path=ppt/notesSlides/notesSlide13.xml><?xml version="1.0" encoding="utf-8"?>
+<file path=ppt/notesSlides/notesSlide12.xml><?xml version="1.0" encoding="utf-8"?>
 <p:notes xmlns:a="http://schemas.openxmlformats.org/drawingml/2006/main" xmlns:r="http://schemas.openxmlformats.org/officeDocument/2006/relationships" xmlns:mc="http://schemas.openxmlformats.org/markup-compatibility/2006" xmlns:mv="urn:schemas-microsoft-com:mac:vml" xmlns:p="http://schemas.openxmlformats.org/presentationml/2006/main" xmlns:c="http://schemas.openxmlformats.org/drawingml/2006/chart" xmlns:dgm="http://schemas.openxmlformats.org/drawingml/2006/diagram" xmlns:o="urn:schemas-microsoft-com:office:office" xmlns:v="urn:schemas-microsoft-com:vml" xmlns:pvml="urn:schemas-microsoft-com:office:powerpoint" xmlns:com="http://schemas.openxmlformats.org/drawingml/2006/compatibility" xmlns:p14="http://schemas.microsoft.com/office/powerpoint/2010/main" xmlns:p15="http://schemas.microsoft.com/office/powerpoint/2012/main" xmlns:ahyp="http://schemas.microsoft.com/office/drawing/2018/hyperlinkcolor" showMasterPhAnim="0" showMasterSp="0">
   <p:cSld>
     <p:spTree>
       <p:nvGrpSpPr>
-        <p:cNvPr id="170" name="Shape 170"/>
+        <p:cNvPr id="163" name="Shape 163"/>
         <p:cNvGrpSpPr/>
         <p:nvPr/>
       </p:nvGrpSpPr>
@@ -1099,7 +999,7 @@
       </p:grpSpPr>
       <p:sp>
         <p:nvSpPr>
-          <p:cNvPr id="171" name="Google Shape;171;g2a93e319c4f_0_62:notes"/>
+          <p:cNvPr id="164" name="Google Shape;164;g2a93e319c4f_0_62:notes"/>
           <p:cNvSpPr/>
           <p:nvPr>
             <p:ph idx="2" type="sldImg"/>
@@ -1134,7 +1034,7 @@
       </p:sp>
       <p:sp>
         <p:nvSpPr>
-          <p:cNvPr id="172" name="Google Shape;172;g2a93e319c4f_0_62:notes"/>
+          <p:cNvPr id="165" name="Google Shape;165;g2a93e319c4f_0_62:notes"/>
           <p:cNvSpPr txBox="1"/>
           <p:nvPr>
             <p:ph idx="1" type="body"/>
@@ -1179,12 +1079,12 @@
 </p:notes>
 </file>
 
-<file path=ppt/notesSlides/notesSlide14.xml><?xml version="1.0" encoding="utf-8"?>
+<file path=ppt/notesSlides/notesSlide13.xml><?xml version="1.0" encoding="utf-8"?>
 <p:notes xmlns:a="http://schemas.openxmlformats.org/drawingml/2006/main" xmlns:r="http://schemas.openxmlformats.org/officeDocument/2006/relationships" xmlns:mc="http://schemas.openxmlformats.org/markup-compatibility/2006" xmlns:mv="urn:schemas-microsoft-com:mac:vml" xmlns:p="http://schemas.openxmlformats.org/presentationml/2006/main" xmlns:c="http://schemas.openxmlformats.org/drawingml/2006/chart" xmlns:dgm="http://schemas.openxmlformats.org/drawingml/2006/diagram" xmlns:o="urn:schemas-microsoft-com:office:office" xmlns:v="urn:schemas-microsoft-com:vml" xmlns:pvml="urn:schemas-microsoft-com:office:powerpoint" xmlns:com="http://schemas.openxmlformats.org/drawingml/2006/compatibility" xmlns:p14="http://schemas.microsoft.com/office/powerpoint/2010/main" xmlns:p15="http://schemas.microsoft.com/office/powerpoint/2012/main" xmlns:ahyp="http://schemas.microsoft.com/office/drawing/2018/hyperlinkcolor" showMasterPhAnim="0" showMasterSp="0">
   <p:cSld>
     <p:spTree>
       <p:nvGrpSpPr>
-        <p:cNvPr id="176" name="Shape 176"/>
+        <p:cNvPr id="169" name="Shape 169"/>
         <p:cNvGrpSpPr/>
         <p:nvPr/>
       </p:nvGrpSpPr>
@@ -1198,7 +1098,7 @@
       </p:grpSpPr>
       <p:sp>
         <p:nvSpPr>
-          <p:cNvPr id="177" name="Google Shape;177;g2a93e319c4f_0_69:notes"/>
+          <p:cNvPr id="170" name="Google Shape;170;g2a93e319c4f_0_69:notes"/>
           <p:cNvSpPr/>
           <p:nvPr>
             <p:ph idx="2" type="sldImg"/>
@@ -1233,7 +1133,7 @@
       </p:sp>
       <p:sp>
         <p:nvSpPr>
-          <p:cNvPr id="178" name="Google Shape;178;g2a93e319c4f_0_69:notes"/>
+          <p:cNvPr id="171" name="Google Shape;171;g2a93e319c4f_0_69:notes"/>
           <p:cNvSpPr txBox="1"/>
           <p:nvPr>
             <p:ph idx="1" type="body"/>
@@ -1278,12 +1178,12 @@
 </p:notes>
 </file>
 
-<file path=ppt/notesSlides/notesSlide15.xml><?xml version="1.0" encoding="utf-8"?>
+<file path=ppt/notesSlides/notesSlide14.xml><?xml version="1.0" encoding="utf-8"?>
 <p:notes xmlns:a="http://schemas.openxmlformats.org/drawingml/2006/main" xmlns:r="http://schemas.openxmlformats.org/officeDocument/2006/relationships" xmlns:mc="http://schemas.openxmlformats.org/markup-compatibility/2006" xmlns:mv="urn:schemas-microsoft-com:mac:vml" xmlns:p="http://schemas.openxmlformats.org/presentationml/2006/main" xmlns:c="http://schemas.openxmlformats.org/drawingml/2006/chart" xmlns:dgm="http://schemas.openxmlformats.org/drawingml/2006/diagram" xmlns:o="urn:schemas-microsoft-com:office:office" xmlns:v="urn:schemas-microsoft-com:vml" xmlns:pvml="urn:schemas-microsoft-com:office:powerpoint" xmlns:com="http://schemas.openxmlformats.org/drawingml/2006/compatibility" xmlns:p14="http://schemas.microsoft.com/office/powerpoint/2010/main" xmlns:p15="http://schemas.microsoft.com/office/powerpoint/2012/main" xmlns:ahyp="http://schemas.microsoft.com/office/drawing/2018/hyperlinkcolor" showMasterPhAnim="0" showMasterSp="0">
   <p:cSld>
     <p:spTree>
       <p:nvGrpSpPr>
-        <p:cNvPr id="182" name="Shape 182"/>
+        <p:cNvPr id="175" name="Shape 175"/>
         <p:cNvGrpSpPr/>
         <p:nvPr/>
       </p:nvGrpSpPr>
@@ -1297,7 +1197,7 @@
       </p:grpSpPr>
       <p:sp>
         <p:nvSpPr>
-          <p:cNvPr id="183" name="Google Shape;183;p10:notes"/>
+          <p:cNvPr id="176" name="Google Shape;176;p10:notes"/>
           <p:cNvSpPr txBox="1"/>
           <p:nvPr>
             <p:ph idx="1" type="body"/>
@@ -1336,7 +1236,7 @@
       </p:sp>
       <p:sp>
         <p:nvSpPr>
-          <p:cNvPr id="184" name="Google Shape;184;p10:notes"/>
+          <p:cNvPr id="177" name="Google Shape;177;p10:notes"/>
           <p:cNvSpPr/>
           <p:nvPr>
             <p:ph idx="2" type="sldImg"/>
@@ -12843,16 +12743,12 @@
         </p:nvSpPr>
         <p:spPr>
           <a:xfrm>
-            <a:off x="838200" y="106942"/>
-            <a:ext cx="10515600" cy="1325563"/>
+            <a:off x="838200" y="365125"/>
+            <a:ext cx="10515600" cy="1325700"/>
           </a:xfrm>
           <a:prstGeom prst="rect">
             <a:avLst/>
           </a:prstGeom>
-          <a:noFill/>
-          <a:ln>
-            <a:noFill/>
-          </a:ln>
         </p:spPr>
         <p:txBody>
           <a:bodyPr anchorCtr="0" anchor="ctr" bIns="45700" lIns="91425" spcFirstLastPara="1" rIns="91425" wrap="square" tIns="45700">
@@ -12861,9 +12757,6 @@
           <a:lstStyle/>
           <a:p>
             <a:pPr indent="0" lvl="0" marL="0" rtl="0" algn="ctr">
-              <a:lnSpc>
-                <a:spcPct val="90000"/>
-              </a:lnSpc>
               <a:spcBef>
                 <a:spcPts val="0"/>
               </a:spcBef>
@@ -12879,7 +12772,7 @@
             </a:pPr>
             <a:r>
               <a:rPr lang="ru-RU"/>
-              <a:t>Примеры работы программы(1)</a:t>
+              <a:t>Примеры работы программы(2)</a:t>
             </a:r>
             <a:endParaRPr/>
           </a:p>
@@ -12901,8 +12794,8 @@
         </p:blipFill>
         <p:spPr>
           <a:xfrm>
-            <a:off x="838200" y="1855825"/>
-            <a:ext cx="5025700" cy="3146350"/>
+            <a:off x="540475" y="2111775"/>
+            <a:ext cx="5348553" cy="3348475"/>
           </a:xfrm>
           <a:prstGeom prst="rect">
             <a:avLst/>
@@ -12929,8 +12822,8 @@
         </p:blipFill>
         <p:spPr>
           <a:xfrm>
-            <a:off x="6328100" y="1855837"/>
-            <a:ext cx="5025700" cy="3146337"/>
+            <a:off x="6300915" y="2111774"/>
+            <a:ext cx="5348560" cy="3348475"/>
           </a:xfrm>
           <a:prstGeom prst="rect">
             <a:avLst/>
@@ -12985,132 +12878,6 @@
         </p:spPr>
         <p:txBody>
           <a:bodyPr anchorCtr="0" anchor="ctr" bIns="45700" lIns="91425" spcFirstLastPara="1" rIns="91425" wrap="square" tIns="45700">
-            <a:normAutofit/>
-          </a:bodyPr>
-          <a:lstStyle/>
-          <a:p>
-            <a:pPr indent="0" lvl="0" marL="0" rtl="0" algn="ctr">
-              <a:spcBef>
-                <a:spcPts val="0"/>
-              </a:spcBef>
-              <a:spcAft>
-                <a:spcPts val="0"/>
-              </a:spcAft>
-              <a:buClr>
-                <a:schemeClr val="dk1"/>
-              </a:buClr>
-              <a:buSzPts val="4400"/>
-              <a:buFont typeface="Times New Roman"/>
-              <a:buNone/>
-            </a:pPr>
-            <a:r>
-              <a:rPr lang="ru-RU"/>
-              <a:t>Примеры работы программы(2)</a:t>
-            </a:r>
-            <a:endParaRPr/>
-          </a:p>
-        </p:txBody>
-      </p:sp>
-      <p:pic>
-        <p:nvPicPr>
-          <p:cNvPr id="168" name="Google Shape;168;p24"/>
-          <p:cNvPicPr preferRelativeResize="0"/>
-          <p:nvPr/>
-        </p:nvPicPr>
-        <p:blipFill>
-          <a:blip r:embed="rId3">
-            <a:alphaModFix/>
-          </a:blip>
-          <a:stretch>
-            <a:fillRect/>
-          </a:stretch>
-        </p:blipFill>
-        <p:spPr>
-          <a:xfrm>
-            <a:off x="540475" y="2111775"/>
-            <a:ext cx="5348553" cy="3348475"/>
-          </a:xfrm>
-          <a:prstGeom prst="rect">
-            <a:avLst/>
-          </a:prstGeom>
-          <a:noFill/>
-          <a:ln>
-            <a:noFill/>
-          </a:ln>
-        </p:spPr>
-      </p:pic>
-      <p:pic>
-        <p:nvPicPr>
-          <p:cNvPr id="169" name="Google Shape;169;p24"/>
-          <p:cNvPicPr preferRelativeResize="0"/>
-          <p:nvPr/>
-        </p:nvPicPr>
-        <p:blipFill>
-          <a:blip r:embed="rId4">
-            <a:alphaModFix/>
-          </a:blip>
-          <a:stretch>
-            <a:fillRect/>
-          </a:stretch>
-        </p:blipFill>
-        <p:spPr>
-          <a:xfrm>
-            <a:off x="6300915" y="2111774"/>
-            <a:ext cx="5348560" cy="3348475"/>
-          </a:xfrm>
-          <a:prstGeom prst="rect">
-            <a:avLst/>
-          </a:prstGeom>
-          <a:noFill/>
-          <a:ln>
-            <a:noFill/>
-          </a:ln>
-        </p:spPr>
-      </p:pic>
-    </p:spTree>
-  </p:cSld>
-  <p:clrMapOvr>
-    <a:masterClrMapping/>
-  </p:clrMapOvr>
-</p:sld>
-</file>
-
-<file path=ppt/slides/slide13.xml><?xml version="1.0" encoding="utf-8"?>
-<p:sld xmlns:a="http://schemas.openxmlformats.org/drawingml/2006/main" xmlns:r="http://schemas.openxmlformats.org/officeDocument/2006/relationships" xmlns:mc="http://schemas.openxmlformats.org/markup-compatibility/2006" xmlns:mv="urn:schemas-microsoft-com:mac:vml" xmlns:p="http://schemas.openxmlformats.org/presentationml/2006/main" xmlns:c="http://schemas.openxmlformats.org/drawingml/2006/chart" xmlns:dgm="http://schemas.openxmlformats.org/drawingml/2006/diagram" xmlns:o="urn:schemas-microsoft-com:office:office" xmlns:v="urn:schemas-microsoft-com:vml" xmlns:pvml="urn:schemas-microsoft-com:office:powerpoint" xmlns:com="http://schemas.openxmlformats.org/drawingml/2006/compatibility" xmlns:p14="http://schemas.microsoft.com/office/powerpoint/2010/main" xmlns:p15="http://schemas.microsoft.com/office/powerpoint/2012/main" xmlns:ahyp="http://schemas.microsoft.com/office/drawing/2018/hyperlinkcolor">
-  <p:cSld>
-    <p:spTree>
-      <p:nvGrpSpPr>
-        <p:cNvPr id="173" name="Shape 173"/>
-        <p:cNvGrpSpPr/>
-        <p:nvPr/>
-      </p:nvGrpSpPr>
-      <p:grpSpPr>
-        <a:xfrm>
-          <a:off x="0" y="0"/>
-          <a:ext cx="0" cy="0"/>
-          <a:chOff x="0" y="0"/>
-          <a:chExt cx="0" cy="0"/>
-        </a:xfrm>
-      </p:grpSpPr>
-      <p:sp>
-        <p:nvSpPr>
-          <p:cNvPr id="174" name="Google Shape;174;p25"/>
-          <p:cNvSpPr txBox="1"/>
-          <p:nvPr>
-            <p:ph type="title"/>
-          </p:nvPr>
-        </p:nvSpPr>
-        <p:spPr>
-          <a:xfrm>
-            <a:off x="838200" y="365125"/>
-            <a:ext cx="10515600" cy="1325700"/>
-          </a:xfrm>
-          <a:prstGeom prst="rect">
-            <a:avLst/>
-          </a:prstGeom>
-        </p:spPr>
-        <p:txBody>
-          <a:bodyPr anchorCtr="0" anchor="ctr" bIns="45700" lIns="91425" spcFirstLastPara="1" rIns="91425" wrap="square" tIns="45700">
             <a:normAutofit fontScale="90000"/>
           </a:bodyPr>
           <a:lstStyle/>
@@ -13134,7 +12901,7 @@
       </p:sp>
       <p:pic>
         <p:nvPicPr>
-          <p:cNvPr id="175" name="Google Shape;175;p25"/>
+          <p:cNvPr id="168" name="Google Shape;168;p24"/>
           <p:cNvPicPr preferRelativeResize="0"/>
           <p:nvPr/>
         </p:nvPicPr>
@@ -13168,12 +12935,12 @@
 </p:sld>
 </file>
 
-<file path=ppt/slides/slide14.xml><?xml version="1.0" encoding="utf-8"?>
+<file path=ppt/slides/slide13.xml><?xml version="1.0" encoding="utf-8"?>
 <p:sld xmlns:a="http://schemas.openxmlformats.org/drawingml/2006/main" xmlns:r="http://schemas.openxmlformats.org/officeDocument/2006/relationships" xmlns:mc="http://schemas.openxmlformats.org/markup-compatibility/2006" xmlns:mv="urn:schemas-microsoft-com:mac:vml" xmlns:p="http://schemas.openxmlformats.org/presentationml/2006/main" xmlns:c="http://schemas.openxmlformats.org/drawingml/2006/chart" xmlns:dgm="http://schemas.openxmlformats.org/drawingml/2006/diagram" xmlns:o="urn:schemas-microsoft-com:office:office" xmlns:v="urn:schemas-microsoft-com:vml" xmlns:pvml="urn:schemas-microsoft-com:office:powerpoint" xmlns:com="http://schemas.openxmlformats.org/drawingml/2006/compatibility" xmlns:p14="http://schemas.microsoft.com/office/powerpoint/2010/main" xmlns:p15="http://schemas.microsoft.com/office/powerpoint/2012/main" xmlns:ahyp="http://schemas.microsoft.com/office/drawing/2018/hyperlinkcolor">
   <p:cSld>
     <p:spTree>
       <p:nvGrpSpPr>
-        <p:cNvPr id="179" name="Shape 179"/>
+        <p:cNvPr id="172" name="Shape 172"/>
         <p:cNvGrpSpPr/>
         <p:nvPr/>
       </p:nvGrpSpPr>
@@ -13187,7 +12954,7 @@
       </p:grpSpPr>
       <p:sp>
         <p:nvSpPr>
-          <p:cNvPr id="180" name="Google Shape;180;p26"/>
+          <p:cNvPr id="173" name="Google Shape;173;p25"/>
           <p:cNvSpPr txBox="1"/>
           <p:nvPr>
             <p:ph type="title"/>
@@ -13232,7 +12999,7 @@
       </p:sp>
       <p:pic>
         <p:nvPicPr>
-          <p:cNvPr id="181" name="Google Shape;181;p26"/>
+          <p:cNvPr id="174" name="Google Shape;174;p25"/>
           <p:cNvPicPr preferRelativeResize="0"/>
           <p:nvPr/>
         </p:nvPicPr>
@@ -13246,7 +13013,7 @@
         </p:blipFill>
         <p:spPr>
           <a:xfrm>
-            <a:off x="3048000" y="1926950"/>
+            <a:off x="3048000" y="1690825"/>
             <a:ext cx="6096000" cy="4572000"/>
           </a:xfrm>
           <a:prstGeom prst="rect">
@@ -13266,12 +13033,12 @@
 </p:sld>
 </file>
 
-<file path=ppt/slides/slide15.xml><?xml version="1.0" encoding="utf-8"?>
+<file path=ppt/slides/slide14.xml><?xml version="1.0" encoding="utf-8"?>
 <p:sld xmlns:a="http://schemas.openxmlformats.org/drawingml/2006/main" xmlns:r="http://schemas.openxmlformats.org/officeDocument/2006/relationships" xmlns:mc="http://schemas.openxmlformats.org/markup-compatibility/2006" xmlns:mv="urn:schemas-microsoft-com:mac:vml" xmlns:p="http://schemas.openxmlformats.org/presentationml/2006/main" xmlns:c="http://schemas.openxmlformats.org/drawingml/2006/chart" xmlns:dgm="http://schemas.openxmlformats.org/drawingml/2006/diagram" xmlns:o="urn:schemas-microsoft-com:office:office" xmlns:v="urn:schemas-microsoft-com:vml" xmlns:pvml="urn:schemas-microsoft-com:office:powerpoint" xmlns:com="http://schemas.openxmlformats.org/drawingml/2006/compatibility" xmlns:p14="http://schemas.microsoft.com/office/powerpoint/2010/main" xmlns:p15="http://schemas.microsoft.com/office/powerpoint/2012/main" xmlns:ahyp="http://schemas.microsoft.com/office/drawing/2018/hyperlinkcolor">
   <p:cSld>
     <p:spTree>
       <p:nvGrpSpPr>
-        <p:cNvPr id="185" name="Shape 185"/>
+        <p:cNvPr id="178" name="Shape 178"/>
         <p:cNvGrpSpPr/>
         <p:nvPr/>
       </p:nvGrpSpPr>
@@ -13285,7 +13052,7 @@
       </p:grpSpPr>
       <p:sp>
         <p:nvSpPr>
-          <p:cNvPr id="186" name="Google Shape;186;p27"/>
+          <p:cNvPr id="179" name="Google Shape;179;p26"/>
           <p:cNvSpPr txBox="1"/>
           <p:nvPr>
             <p:ph type="title"/>
@@ -13337,7 +13104,7 @@
       </p:sp>
       <p:sp>
         <p:nvSpPr>
-          <p:cNvPr id="187" name="Google Shape;187;p27"/>
+          <p:cNvPr id="180" name="Google Shape;180;p26"/>
           <p:cNvSpPr txBox="1"/>
           <p:nvPr>
             <p:ph idx="1" type="body"/>
@@ -14131,7 +13898,7 @@
             <a:tbl>
               <a:tblPr>
                 <a:noFill/>
-                <a:tableStyleId>{40B15800-4FF2-4F79-8FFE-7CF8584A1D77}</a:tableStyleId>
+                <a:tableStyleId>{7706AB18-1221-49FD-B533-40E43E101C8E}</a:tableStyleId>
               </a:tblPr>
               <a:tblGrid>
                 <a:gridCol w="3429000"/>
@@ -14499,7 +14266,7 @@
             <a:tbl>
               <a:tblPr>
                 <a:noFill/>
-                <a:tableStyleId>{40B15800-4FF2-4F79-8FFE-7CF8584A1D77}</a:tableStyleId>
+                <a:tableStyleId>{7706AB18-1221-49FD-B533-40E43E101C8E}</a:tableStyleId>
               </a:tblPr>
               <a:tblGrid>
                 <a:gridCol w="2571750"/>
@@ -15165,7 +14932,7 @@
             <a:tbl>
               <a:tblPr>
                 <a:noFill/>
-                <a:tableStyleId>{40B15800-4FF2-4F79-8FFE-7CF8584A1D77}</a:tableStyleId>
+                <a:tableStyleId>{7706AB18-1221-49FD-B533-40E43E101C8E}</a:tableStyleId>
               </a:tblPr>
               <a:tblGrid>
                 <a:gridCol w="2571750"/>
@@ -15638,7 +15405,7 @@
             <a:tbl>
               <a:tblPr>
                 <a:noFill/>
-                <a:tableStyleId>{40B15800-4FF2-4F79-8FFE-7CF8584A1D77}</a:tableStyleId>
+                <a:tableStyleId>{7706AB18-1221-49FD-B533-40E43E101C8E}</a:tableStyleId>
               </a:tblPr>
               <a:tblGrid>
                 <a:gridCol w="3429000"/>
@@ -16152,7 +15919,7 @@
             <a:tbl>
               <a:tblPr>
                 <a:noFill/>
-                <a:tableStyleId>{40B15800-4FF2-4F79-8FFE-7CF8584A1D77}</a:tableStyleId>
+                <a:tableStyleId>{7706AB18-1221-49FD-B533-40E43E101C8E}</a:tableStyleId>
               </a:tblPr>
               <a:tblGrid>
                 <a:gridCol w="2571750"/>

--- a/docs/course/presentation/pres.pptx
+++ b/docs/course/presentation/pres.pptx
@@ -13243,7 +13243,7 @@
             </a:pPr>
             <a:r>
               <a:rPr lang="ru-RU" sz="1800"/>
-              <a:t>проведено исследование временных характеристик разработанного ПО. </a:t>
+              <a:t>проведено исследование временных характеристик созданного ПО. </a:t>
             </a:r>
             <a:endParaRPr sz="1800"/>
           </a:p>
@@ -13262,11 +13262,11 @@
             </a:pPr>
             <a:r>
               <a:rPr lang="ru-RU" sz="1800"/>
-              <a:t>Цель работы, а именно </a:t>
+              <a:t>Цель работы, а именно разработка и создание программного обеспечения для генерации и визуализации трехмерного ландшафта, также была достигнута</a:t>
             </a:r>
             <a:r>
               <a:rPr lang="ru-RU" sz="1800"/>
-              <a:t>разработка  и создание программного обеспечения для генерации и визуализации трехмерного ландшафта.</a:t>
+              <a:t>.</a:t>
             </a:r>
             <a:endParaRPr sz="1800">
               <a:solidFill>
@@ -13546,7 +13546,7 @@
             </a:pPr>
             <a:r>
               <a:rPr lang="ru-RU" sz="7215"/>
-              <a:t>провести исследование временных характеристик разработанного ПО.</a:t>
+              <a:t>провести исследование временных характеристик созданного ПО.</a:t>
             </a:r>
             <a:endParaRPr sz="7215"/>
           </a:p>
@@ -13898,7 +13898,7 @@
             <a:tbl>
               <a:tblPr>
                 <a:noFill/>
-                <a:tableStyleId>{7706AB18-1221-49FD-B533-40E43E101C8E}</a:tableStyleId>
+                <a:tableStyleId>{BAF25B29-1CE0-4AC9-9750-50A543159314}</a:tableStyleId>
               </a:tblPr>
               <a:tblGrid>
                 <a:gridCol w="3429000"/>
@@ -14266,7 +14266,7 @@
             <a:tbl>
               <a:tblPr>
                 <a:noFill/>
-                <a:tableStyleId>{7706AB18-1221-49FD-B533-40E43E101C8E}</a:tableStyleId>
+                <a:tableStyleId>{BAF25B29-1CE0-4AC9-9750-50A543159314}</a:tableStyleId>
               </a:tblPr>
               <a:tblGrid>
                 <a:gridCol w="2571750"/>
@@ -14932,7 +14932,7 @@
             <a:tbl>
               <a:tblPr>
                 <a:noFill/>
-                <a:tableStyleId>{7706AB18-1221-49FD-B533-40E43E101C8E}</a:tableStyleId>
+                <a:tableStyleId>{BAF25B29-1CE0-4AC9-9750-50A543159314}</a:tableStyleId>
               </a:tblPr>
               <a:tblGrid>
                 <a:gridCol w="2571750"/>
@@ -15405,7 +15405,7 @@
             <a:tbl>
               <a:tblPr>
                 <a:noFill/>
-                <a:tableStyleId>{7706AB18-1221-49FD-B533-40E43E101C8E}</a:tableStyleId>
+                <a:tableStyleId>{BAF25B29-1CE0-4AC9-9750-50A543159314}</a:tableStyleId>
               </a:tblPr>
               <a:tblGrid>
                 <a:gridCol w="3429000"/>
@@ -15919,7 +15919,7 @@
             <a:tbl>
               <a:tblPr>
                 <a:noFill/>
-                <a:tableStyleId>{7706AB18-1221-49FD-B533-40E43E101C8E}</a:tableStyleId>
+                <a:tableStyleId>{BAF25B29-1CE0-4AC9-9750-50A543159314}</a:tableStyleId>
               </a:tblPr>
               <a:tblGrid>
                 <a:gridCol w="2571750"/>
